--- a/BASKET BALL KING.pptx
+++ b/BASKET BALL KING.pptx
@@ -796,7 +796,7 @@
               <a:tabLst/>
               <a:defRPr/>
             </a:pPr>
-            <a:endParaRPr lang="ko-KR" altLang="en-US" b="0" i="0">
+            <a:endParaRPr lang="ko-KR" altLang="en-US" b="0" i="0" dirty="0">
               <a:effectLst/>
               <a:latin typeface="+mj-ea"/>
               <a:ea typeface="+mj-ea"/>
@@ -805,14 +805,14 @@
           <a:p>
             <a:pPr rtl="0"/>
             <a:r>
-              <a:rPr lang="en-US" altLang="ko-KR">
+              <a:rPr lang="en-US" altLang="ko-KR" dirty="0">
                 <a:latin typeface="+mj-ea"/>
                 <a:ea typeface="+mj-ea"/>
               </a:rPr>
               <a:t>ID=d924773e-9a16-4d6d-9803-8cb819e99682</a:t>
             </a:r>
             <a:r>
-              <a:rPr lang="ko-KR" altLang="en-US">
+              <a:rPr lang="ko-KR" altLang="en-US" dirty="0">
                 <a:latin typeface="+mj-ea"/>
                 <a:ea typeface="+mj-ea"/>
               </a:rPr>
@@ -820,15 +820,68 @@
 </a:t>
             </a:r>
             <a:r>
-              <a:rPr lang="en-US" altLang="ko-KR">
+              <a:rPr lang="en-US" altLang="ko-KR" dirty="0">
                 <a:latin typeface="+mj-ea"/>
                 <a:ea typeface="+mj-ea"/>
               </a:rPr>
-              <a:t>Recipe=text_billboard
-Type=TextOnly
+              <a:t>Recipe=</a:t>
+            </a:r>
+            <a:r>
+              <a:rPr lang="en-US" altLang="ko-KR" dirty="0" err="1">
+                <a:latin typeface="+mj-ea"/>
+                <a:ea typeface="+mj-ea"/>
+              </a:rPr>
+              <a:t>text_billboard</a:t>
+            </a:r>
+            <a:r>
+              <a:rPr lang="en-US" altLang="ko-KR" dirty="0">
+                <a:latin typeface="+mj-ea"/>
+                <a:ea typeface="+mj-ea"/>
+              </a:rPr>
+              <a:t>
+Type=</a:t>
+            </a:r>
+            <a:r>
+              <a:rPr lang="en-US" altLang="ko-KR" dirty="0" err="1">
+                <a:latin typeface="+mj-ea"/>
+                <a:ea typeface="+mj-ea"/>
+              </a:rPr>
+              <a:t>TextOnly</a:t>
+            </a:r>
+            <a:r>
+              <a:rPr lang="en-US" altLang="ko-KR" dirty="0">
+                <a:latin typeface="+mj-ea"/>
+                <a:ea typeface="+mj-ea"/>
+              </a:rPr>
+              <a:t>
 Variant=0
-FamilyID=AccentBoxWalbaum_Zero</a:t>
-            </a:r>
+</a:t>
+            </a:r>
+            <a:r>
+              <a:rPr lang="en-US" altLang="ko-KR" dirty="0" err="1">
+                <a:latin typeface="+mj-ea"/>
+                <a:ea typeface="+mj-ea"/>
+              </a:rPr>
+              <a:t>FamilyID</a:t>
+            </a:r>
+            <a:r>
+              <a:rPr lang="en-US" altLang="ko-KR" dirty="0">
+                <a:latin typeface="+mj-ea"/>
+                <a:ea typeface="+mj-ea"/>
+              </a:rPr>
+              <a:t>=</a:t>
+            </a:r>
+            <a:r>
+              <a:rPr lang="en-US" altLang="ko-KR" dirty="0" err="1">
+                <a:latin typeface="+mj-ea"/>
+                <a:ea typeface="+mj-ea"/>
+              </a:rPr>
+              <a:t>AccentBoxWalbaum_Zero</a:t>
+            </a:r>
+            <a:endParaRPr lang="en-US" altLang="ko-KR" dirty="0">
+              <a:latin typeface="+mj-ea"/>
+              <a:ea typeface="+mj-ea"/>
+            </a:endParaRPr>
           </a:p>
         </p:txBody>
       </p:sp>
@@ -866,6 +919,91 @@
     <p:extLst>
       <p:ext uri="{BB962C8B-B14F-4D97-AF65-F5344CB8AC3E}">
         <p14:creationId xmlns:p14="http://schemas.microsoft.com/office/powerpoint/2010/main" val="270320598"/>
+      </p:ext>
+    </p:extLst>
+  </p:cSld>
+  <p:clrMapOvr>
+    <a:masterClrMapping/>
+  </p:clrMapOvr>
+</p:notes>
+</file>
+
+<file path=ppt/notesSlides/notesSlide2.xml><?xml version="1.0" encoding="utf-8"?>
+<p:notes xmlns:a="http://schemas.openxmlformats.org/drawingml/2006/main" xmlns:r="http://schemas.openxmlformats.org/officeDocument/2006/relationships" xmlns:p="http://schemas.openxmlformats.org/presentationml/2006/main">
+  <p:cSld>
+    <p:spTree>
+      <p:nvGrpSpPr>
+        <p:cNvPr id="1" name=""/>
+        <p:cNvGrpSpPr/>
+        <p:nvPr/>
+      </p:nvGrpSpPr>
+      <p:grpSpPr>
+        <a:xfrm>
+          <a:off x="0" y="0"/>
+          <a:ext cx="0" cy="0"/>
+          <a:chOff x="0" y="0"/>
+          <a:chExt cx="0" cy="0"/>
+        </a:xfrm>
+      </p:grpSpPr>
+      <p:sp>
+        <p:nvSpPr>
+          <p:cNvPr id="2" name="슬라이드 이미지 개체 틀 1"/>
+          <p:cNvSpPr>
+            <a:spLocks noGrp="1" noRot="1" noChangeAspect="1"/>
+          </p:cNvSpPr>
+          <p:nvPr>
+            <p:ph type="sldImg"/>
+          </p:nvPr>
+        </p:nvSpPr>
+        <p:spPr/>
+      </p:sp>
+      <p:sp>
+        <p:nvSpPr>
+          <p:cNvPr id="3" name="슬라이드 노트 개체 틀 2"/>
+          <p:cNvSpPr>
+            <a:spLocks noGrp="1"/>
+          </p:cNvSpPr>
+          <p:nvPr>
+            <p:ph type="body" idx="1"/>
+          </p:nvPr>
+        </p:nvSpPr>
+        <p:spPr/>
+        <p:txBody>
+          <a:bodyPr/>
+          <a:lstStyle/>
+          <a:p>
+            <a:endParaRPr lang="ko-KR" altLang="en-US"/>
+          </a:p>
+        </p:txBody>
+      </p:sp>
+      <p:sp>
+        <p:nvSpPr>
+          <p:cNvPr id="4" name="슬라이드 번호 개체 틀 3"/>
+          <p:cNvSpPr>
+            <a:spLocks noGrp="1"/>
+          </p:cNvSpPr>
+          <p:nvPr>
+            <p:ph type="sldNum" sz="quarter" idx="5"/>
+          </p:nvPr>
+        </p:nvSpPr>
+        <p:spPr/>
+        <p:txBody>
+          <a:bodyPr/>
+          <a:lstStyle/>
+          <a:p>
+            <a:fld id="{BCFAAAB6-A2C6-4A85-A3A1-98EFBA61C967}" type="slidenum">
+              <a:rPr lang="en-US" altLang="ko-KR" noProof="0" smtClean="0"/>
+              <a:pPr/>
+              <a:t>3</a:t>
+            </a:fld>
+            <a:endParaRPr lang="ko-KR" altLang="en-US" noProof="0"/>
+          </a:p>
+        </p:txBody>
+      </p:sp>
+    </p:spTree>
+    <p:extLst>
+      <p:ext uri="{BB962C8B-B14F-4D97-AF65-F5344CB8AC3E}">
+        <p14:creationId xmlns:p14="http://schemas.microsoft.com/office/powerpoint/2010/main" val="2922843375"/>
       </p:ext>
     </p:extLst>
   </p:cSld>
@@ -9361,6 +9499,45 @@
           </a:p>
         </p:txBody>
       </p:sp>
+      <p:pic>
+        <p:nvPicPr>
+          <p:cNvPr id="24" name="오디오 23">
+            <a:hlinkClick r:id="" action="ppaction://media"/>
+            <a:extLst>
+              <a:ext uri="{FF2B5EF4-FFF2-40B4-BE49-F238E27FC236}">
+                <a16:creationId xmlns:a16="http://schemas.microsoft.com/office/drawing/2014/main" id="{EA098263-9B6F-B6E1-F780-CA84EE2C3651}"/>
+              </a:ext>
+            </a:extLst>
+          </p:cNvPr>
+          <p:cNvPicPr>
+            <a:picLocks noChangeAspect="1"/>
+          </p:cNvPicPr>
+          <p:nvPr>
+            <a:audioFile r:link="rId2"/>
+            <p:extLst>
+              <p:ext uri="{DAA4B4D4-6D71-4841-9C94-3DE7FCFB9230}">
+                <p14:media xmlns:p14="http://schemas.microsoft.com/office/powerpoint/2010/main" r:embed="rId1"/>
+              </p:ext>
+            </p:extLst>
+          </p:nvPr>
+        </p:nvPicPr>
+        <p:blipFill>
+          <a:blip r:embed="rId5"/>
+          <a:srcRect l="-118750" t="-118750" r="-118750" b="-118750"/>
+          <a:stretch>
+            <a:fillRect/>
+          </a:stretch>
+        </p:blipFill>
+        <p:spPr>
+          <a:xfrm>
+            <a:off x="10052304" y="4718304"/>
+            <a:ext cx="2057400" cy="2057400"/>
+          </a:xfrm>
+          <a:prstGeom prst="ellipse">
+            <a:avLst/>
+          </a:prstGeom>
+        </p:spPr>
+      </p:pic>
     </p:spTree>
     <p:extLst>
       <p:ext uri="{BB962C8B-B14F-4D97-AF65-F5344CB8AC3E}">
@@ -9371,6 +9548,101 @@
   <p:clrMapOvr>
     <a:masterClrMapping/>
   </p:clrMapOvr>
+  <mc:AlternateContent xmlns:mc="http://schemas.openxmlformats.org/markup-compatibility/2006">
+    <mc:Choice xmlns:p14="http://schemas.microsoft.com/office/powerpoint/2010/main" Requires="p14">
+      <p:transition spd="slow" p14:dur="2000" advTm="11653"/>
+    </mc:Choice>
+    <mc:Fallback>
+      <p:transition spd="slow" advTm="11653"/>
+    </mc:Fallback>
+  </mc:AlternateContent>
+  <p:timing>
+    <p:tnLst>
+      <p:par>
+        <p:cTn id="1" dur="indefinite" restart="never" nodeType="tmRoot">
+          <p:childTnLst>
+            <p:seq concurrent="1" nextAc="seek">
+              <p:cTn id="2" dur="indefinite" nodeType="mainSeq">
+                <p:childTnLst>
+                  <p:par>
+                    <p:cTn id="3" fill="hold">
+                      <p:stCondLst>
+                        <p:cond delay="indefinite"/>
+                        <p:cond evt="onBegin" delay="0">
+                          <p:tn val="2"/>
+                        </p:cond>
+                      </p:stCondLst>
+                      <p:childTnLst>
+                        <p:par>
+                          <p:cTn id="4" fill="hold">
+                            <p:stCondLst>
+                              <p:cond delay="0"/>
+                            </p:stCondLst>
+                            <p:childTnLst>
+                              <p:par>
+                                <p:cTn id="5" presetID="1" presetClass="mediacall" presetSubtype="0" fill="hold" nodeType="afterEffect">
+                                  <p:stCondLst>
+                                    <p:cond delay="0"/>
+                                  </p:stCondLst>
+                                  <p:childTnLst>
+                                    <p:cmd type="call" cmd="playFrom(0.0)">
+                                      <p:cBhvr>
+                                        <p:cTn id="6" dur="1" fill="hold"/>
+                                        <p:tgtEl>
+                                          <p:spTgt spid="24"/>
+                                        </p:tgtEl>
+                                      </p:cBhvr>
+                                    </p:cmd>
+                                  </p:childTnLst>
+                                </p:cTn>
+                              </p:par>
+                            </p:childTnLst>
+                          </p:cTn>
+                        </p:par>
+                      </p:childTnLst>
+                    </p:cTn>
+                  </p:par>
+                </p:childTnLst>
+              </p:cTn>
+              <p:prevCondLst>
+                <p:cond evt="onPrev" delay="0">
+                  <p:tgtEl>
+                    <p:sldTgt/>
+                  </p:tgtEl>
+                </p:cond>
+              </p:prevCondLst>
+              <p:nextCondLst>
+                <p:cond evt="onNext" delay="0">
+                  <p:tgtEl>
+                    <p:sldTgt/>
+                  </p:tgtEl>
+                </p:cond>
+              </p:nextCondLst>
+            </p:seq>
+            <p:audio isNarration="1">
+              <p:cMediaNode vol="80000" showWhenStopped="0">
+                <p:cTn id="7" fill="hold" display="0">
+                  <p:stCondLst>
+                    <p:cond delay="indefinite"/>
+                  </p:stCondLst>
+                  <p:endCondLst>
+                    <p:cond evt="onStopAudio" delay="0">
+                      <p:tgtEl>
+                        <p:sldTgt/>
+                      </p:tgtEl>
+                    </p:cond>
+                  </p:endCondLst>
+                </p:cTn>
+                <p:tgtEl>
+                  <p:spTgt spid="24"/>
+                </p:tgtEl>
+              </p:cMediaNode>
+            </p:audio>
+          </p:childTnLst>
+        </p:cTn>
+      </p:par>
+    </p:tnLst>
+  </p:timing>
 </p:sld>
 </file>
 
@@ -9406,7 +9678,7 @@
           <p:nvPr/>
         </p:nvPicPr>
         <p:blipFill>
-          <a:blip r:embed="rId2"/>
+          <a:blip r:embed="rId4"/>
           <a:stretch>
             <a:fillRect/>
           </a:stretch>
@@ -9525,6 +9797,45 @@
           </a:p>
         </p:txBody>
       </p:sp>
+      <p:pic>
+        <p:nvPicPr>
+          <p:cNvPr id="19" name="오디오 18">
+            <a:hlinkClick r:id="" action="ppaction://media"/>
+            <a:extLst>
+              <a:ext uri="{FF2B5EF4-FFF2-40B4-BE49-F238E27FC236}">
+                <a16:creationId xmlns:a16="http://schemas.microsoft.com/office/drawing/2014/main" id="{41E46004-D197-1DD8-DA58-B9DF93ECA424}"/>
+              </a:ext>
+            </a:extLst>
+          </p:cNvPr>
+          <p:cNvPicPr>
+            <a:picLocks noChangeAspect="1"/>
+          </p:cNvPicPr>
+          <p:nvPr>
+            <a:audioFile r:link="rId2"/>
+            <p:extLst>
+              <p:ext uri="{DAA4B4D4-6D71-4841-9C94-3DE7FCFB9230}">
+                <p14:media xmlns:p14="http://schemas.microsoft.com/office/powerpoint/2010/main" r:embed="rId1"/>
+              </p:ext>
+            </p:extLst>
+          </p:nvPr>
+        </p:nvPicPr>
+        <p:blipFill>
+          <a:blip r:embed="rId5"/>
+          <a:srcRect l="-118750" t="-118750" r="-118750" b="-118750"/>
+          <a:stretch>
+            <a:fillRect/>
+          </a:stretch>
+        </p:blipFill>
+        <p:spPr>
+          <a:xfrm>
+            <a:off x="10052304" y="4718304"/>
+            <a:ext cx="2057400" cy="2057400"/>
+          </a:xfrm>
+          <a:prstGeom prst="ellipse">
+            <a:avLst/>
+          </a:prstGeom>
+        </p:spPr>
+      </p:pic>
     </p:spTree>
     <p:extLst>
       <p:ext uri="{BB962C8B-B14F-4D97-AF65-F5344CB8AC3E}">
@@ -9535,6 +9846,101 @@
   <p:clrMapOvr>
     <a:masterClrMapping/>
   </p:clrMapOvr>
+  <mc:AlternateContent xmlns:mc="http://schemas.openxmlformats.org/markup-compatibility/2006">
+    <mc:Choice xmlns:p14="http://schemas.microsoft.com/office/powerpoint/2010/main" Requires="p14">
+      <p:transition spd="slow" p14:dur="2000" advTm="24528"/>
+    </mc:Choice>
+    <mc:Fallback>
+      <p:transition spd="slow" advTm="24528"/>
+    </mc:Fallback>
+  </mc:AlternateContent>
+  <p:timing>
+    <p:tnLst>
+      <p:par>
+        <p:cTn id="1" dur="indefinite" restart="never" nodeType="tmRoot">
+          <p:childTnLst>
+            <p:seq concurrent="1" nextAc="seek">
+              <p:cTn id="2" dur="indefinite" nodeType="mainSeq">
+                <p:childTnLst>
+                  <p:par>
+                    <p:cTn id="3" fill="hold">
+                      <p:stCondLst>
+                        <p:cond delay="indefinite"/>
+                        <p:cond evt="onBegin" delay="0">
+                          <p:tn val="2"/>
+                        </p:cond>
+                      </p:stCondLst>
+                      <p:childTnLst>
+                        <p:par>
+                          <p:cTn id="4" fill="hold">
+                            <p:stCondLst>
+                              <p:cond delay="0"/>
+                            </p:stCondLst>
+                            <p:childTnLst>
+                              <p:par>
+                                <p:cTn id="5" presetID="1" presetClass="mediacall" presetSubtype="0" fill="hold" nodeType="afterEffect">
+                                  <p:stCondLst>
+                                    <p:cond delay="0"/>
+                                  </p:stCondLst>
+                                  <p:childTnLst>
+                                    <p:cmd type="call" cmd="playFrom(0.0)">
+                                      <p:cBhvr>
+                                        <p:cTn id="6" dur="1" fill="hold"/>
+                                        <p:tgtEl>
+                                          <p:spTgt spid="19"/>
+                                        </p:tgtEl>
+                                      </p:cBhvr>
+                                    </p:cmd>
+                                  </p:childTnLst>
+                                </p:cTn>
+                              </p:par>
+                            </p:childTnLst>
+                          </p:cTn>
+                        </p:par>
+                      </p:childTnLst>
+                    </p:cTn>
+                  </p:par>
+                </p:childTnLst>
+              </p:cTn>
+              <p:prevCondLst>
+                <p:cond evt="onPrev" delay="0">
+                  <p:tgtEl>
+                    <p:sldTgt/>
+                  </p:tgtEl>
+                </p:cond>
+              </p:prevCondLst>
+              <p:nextCondLst>
+                <p:cond evt="onNext" delay="0">
+                  <p:tgtEl>
+                    <p:sldTgt/>
+                  </p:tgtEl>
+                </p:cond>
+              </p:nextCondLst>
+            </p:seq>
+            <p:audio isNarration="1">
+              <p:cMediaNode vol="80000" showWhenStopped="0">
+                <p:cTn id="7" fill="hold" display="0">
+                  <p:stCondLst>
+                    <p:cond delay="indefinite"/>
+                  </p:stCondLst>
+                  <p:endCondLst>
+                    <p:cond evt="onStopAudio" delay="0">
+                      <p:tgtEl>
+                        <p:sldTgt/>
+                      </p:tgtEl>
+                    </p:cond>
+                  </p:endCondLst>
+                </p:cTn>
+                <p:tgtEl>
+                  <p:spTgt spid="19"/>
+                </p:tgtEl>
+              </p:cMediaNode>
+            </p:audio>
+          </p:childTnLst>
+        </p:cTn>
+      </p:par>
+    </p:tnLst>
+  </p:timing>
 </p:sld>
 </file>
 
@@ -9570,7 +9976,7 @@
           <p:nvPr/>
         </p:nvPicPr>
         <p:blipFill>
-          <a:blip r:embed="rId2"/>
+          <a:blip r:embed="rId5"/>
           <a:stretch>
             <a:fillRect/>
           </a:stretch>
@@ -9688,6 +10094,45 @@
           </a:p>
         </p:txBody>
       </p:sp>
+      <p:pic>
+        <p:nvPicPr>
+          <p:cNvPr id="32" name="오디오 31">
+            <a:hlinkClick r:id="" action="ppaction://media"/>
+            <a:extLst>
+              <a:ext uri="{FF2B5EF4-FFF2-40B4-BE49-F238E27FC236}">
+                <a16:creationId xmlns:a16="http://schemas.microsoft.com/office/drawing/2014/main" id="{B84A23F8-CD43-9916-8ED0-B31EF96F35C1}"/>
+              </a:ext>
+            </a:extLst>
+          </p:cNvPr>
+          <p:cNvPicPr>
+            <a:picLocks noChangeAspect="1"/>
+          </p:cNvPicPr>
+          <p:nvPr>
+            <a:audioFile r:link="rId2"/>
+            <p:extLst>
+              <p:ext uri="{DAA4B4D4-6D71-4841-9C94-3DE7FCFB9230}">
+                <p14:media xmlns:p14="http://schemas.microsoft.com/office/powerpoint/2010/main" r:embed="rId1"/>
+              </p:ext>
+            </p:extLst>
+          </p:nvPr>
+        </p:nvPicPr>
+        <p:blipFill>
+          <a:blip r:embed="rId6"/>
+          <a:srcRect l="-118750" t="-118750" r="-118750" b="-118750"/>
+          <a:stretch>
+            <a:fillRect/>
+          </a:stretch>
+        </p:blipFill>
+        <p:spPr>
+          <a:xfrm>
+            <a:off x="10052304" y="4718304"/>
+            <a:ext cx="2057400" cy="2057400"/>
+          </a:xfrm>
+          <a:prstGeom prst="ellipse">
+            <a:avLst/>
+          </a:prstGeom>
+        </p:spPr>
+      </p:pic>
     </p:spTree>
     <p:extLst>
       <p:ext uri="{BB962C8B-B14F-4D97-AF65-F5344CB8AC3E}">
@@ -9698,6 +10143,101 @@
   <p:clrMapOvr>
     <a:masterClrMapping/>
   </p:clrMapOvr>
+  <mc:AlternateContent xmlns:mc="http://schemas.openxmlformats.org/markup-compatibility/2006">
+    <mc:Choice xmlns:p14="http://schemas.microsoft.com/office/powerpoint/2010/main" Requires="p14">
+      <p:transition spd="slow" p14:dur="2000" advTm="25537"/>
+    </mc:Choice>
+    <mc:Fallback>
+      <p:transition spd="slow" advTm="25537"/>
+    </mc:Fallback>
+  </mc:AlternateContent>
+  <p:timing>
+    <p:tnLst>
+      <p:par>
+        <p:cTn id="1" dur="indefinite" restart="never" nodeType="tmRoot">
+          <p:childTnLst>
+            <p:seq concurrent="1" nextAc="seek">
+              <p:cTn id="2" dur="indefinite" nodeType="mainSeq">
+                <p:childTnLst>
+                  <p:par>
+                    <p:cTn id="3" fill="hold">
+                      <p:stCondLst>
+                        <p:cond delay="indefinite"/>
+                        <p:cond evt="onBegin" delay="0">
+                          <p:tn val="2"/>
+                        </p:cond>
+                      </p:stCondLst>
+                      <p:childTnLst>
+                        <p:par>
+                          <p:cTn id="4" fill="hold">
+                            <p:stCondLst>
+                              <p:cond delay="0"/>
+                            </p:stCondLst>
+                            <p:childTnLst>
+                              <p:par>
+                                <p:cTn id="5" presetID="1" presetClass="mediacall" presetSubtype="0" fill="hold" nodeType="afterEffect">
+                                  <p:stCondLst>
+                                    <p:cond delay="0"/>
+                                  </p:stCondLst>
+                                  <p:childTnLst>
+                                    <p:cmd type="call" cmd="playFrom(0.0)">
+                                      <p:cBhvr>
+                                        <p:cTn id="6" dur="1" fill="hold"/>
+                                        <p:tgtEl>
+                                          <p:spTgt spid="32"/>
+                                        </p:tgtEl>
+                                      </p:cBhvr>
+                                    </p:cmd>
+                                  </p:childTnLst>
+                                </p:cTn>
+                              </p:par>
+                            </p:childTnLst>
+                          </p:cTn>
+                        </p:par>
+                      </p:childTnLst>
+                    </p:cTn>
+                  </p:par>
+                </p:childTnLst>
+              </p:cTn>
+              <p:prevCondLst>
+                <p:cond evt="onPrev" delay="0">
+                  <p:tgtEl>
+                    <p:sldTgt/>
+                  </p:tgtEl>
+                </p:cond>
+              </p:prevCondLst>
+              <p:nextCondLst>
+                <p:cond evt="onNext" delay="0">
+                  <p:tgtEl>
+                    <p:sldTgt/>
+                  </p:tgtEl>
+                </p:cond>
+              </p:nextCondLst>
+            </p:seq>
+            <p:audio isNarration="1">
+              <p:cMediaNode vol="80000" showWhenStopped="0">
+                <p:cTn id="7" fill="hold" display="0">
+                  <p:stCondLst>
+                    <p:cond delay="indefinite"/>
+                  </p:stCondLst>
+                  <p:endCondLst>
+                    <p:cond evt="onStopAudio" delay="0">
+                      <p:tgtEl>
+                        <p:sldTgt/>
+                      </p:tgtEl>
+                    </p:cond>
+                  </p:endCondLst>
+                </p:cTn>
+                <p:tgtEl>
+                  <p:spTgt spid="32"/>
+                </p:tgtEl>
+              </p:cMediaNode>
+            </p:audio>
+          </p:childTnLst>
+        </p:cTn>
+      </p:par>
+    </p:tnLst>
+  </p:timing>
 </p:sld>
 </file>
 
@@ -9763,7 +10303,7 @@
           <p:nvPr/>
         </p:nvPicPr>
         <p:blipFill rotWithShape="1">
-          <a:blip r:embed="rId2"/>
+          <a:blip r:embed="rId4"/>
           <a:srcRect l="55555" t="1" r="16945" b="122"/>
           <a:stretch/>
         </p:blipFill>
@@ -10149,6 +10689,45 @@
           </a:graphicData>
         </a:graphic>
       </p:graphicFrame>
+      <p:pic>
+        <p:nvPicPr>
+          <p:cNvPr id="39" name="오디오 38">
+            <a:hlinkClick r:id="" action="ppaction://media"/>
+            <a:extLst>
+              <a:ext uri="{FF2B5EF4-FFF2-40B4-BE49-F238E27FC236}">
+                <a16:creationId xmlns:a16="http://schemas.microsoft.com/office/drawing/2014/main" id="{EC90AD4D-67CC-27A4-0CD6-5EE7C28793BD}"/>
+              </a:ext>
+            </a:extLst>
+          </p:cNvPr>
+          <p:cNvPicPr>
+            <a:picLocks noChangeAspect="1"/>
+          </p:cNvPicPr>
+          <p:nvPr>
+            <a:audioFile r:link="rId2"/>
+            <p:extLst>
+              <p:ext uri="{DAA4B4D4-6D71-4841-9C94-3DE7FCFB9230}">
+                <p14:media xmlns:p14="http://schemas.microsoft.com/office/powerpoint/2010/main" r:embed="rId1"/>
+              </p:ext>
+            </p:extLst>
+          </p:nvPr>
+        </p:nvPicPr>
+        <p:blipFill>
+          <a:blip r:embed="rId5"/>
+          <a:srcRect l="-118750" t="-118750" r="-118750" b="-118750"/>
+          <a:stretch>
+            <a:fillRect/>
+          </a:stretch>
+        </p:blipFill>
+        <p:spPr>
+          <a:xfrm>
+            <a:off x="10052304" y="4718304"/>
+            <a:ext cx="2057400" cy="2057400"/>
+          </a:xfrm>
+          <a:prstGeom prst="ellipse">
+            <a:avLst/>
+          </a:prstGeom>
+        </p:spPr>
+      </p:pic>
     </p:spTree>
     <p:extLst>
       <p:ext uri="{BB962C8B-B14F-4D97-AF65-F5344CB8AC3E}">
@@ -10159,6 +10738,101 @@
   <p:clrMapOvr>
     <a:masterClrMapping/>
   </p:clrMapOvr>
+  <mc:AlternateContent xmlns:mc="http://schemas.openxmlformats.org/markup-compatibility/2006">
+    <mc:Choice xmlns:p14="http://schemas.microsoft.com/office/powerpoint/2010/main" Requires="p14">
+      <p:transition spd="slow" p14:dur="2000" advTm="28409"/>
+    </mc:Choice>
+    <mc:Fallback>
+      <p:transition spd="slow" advTm="28409"/>
+    </mc:Fallback>
+  </mc:AlternateContent>
+  <p:timing>
+    <p:tnLst>
+      <p:par>
+        <p:cTn id="1" dur="indefinite" restart="never" nodeType="tmRoot">
+          <p:childTnLst>
+            <p:seq concurrent="1" nextAc="seek">
+              <p:cTn id="2" dur="indefinite" nodeType="mainSeq">
+                <p:childTnLst>
+                  <p:par>
+                    <p:cTn id="3" fill="hold">
+                      <p:stCondLst>
+                        <p:cond delay="indefinite"/>
+                        <p:cond evt="onBegin" delay="0">
+                          <p:tn val="2"/>
+                        </p:cond>
+                      </p:stCondLst>
+                      <p:childTnLst>
+                        <p:par>
+                          <p:cTn id="4" fill="hold">
+                            <p:stCondLst>
+                              <p:cond delay="0"/>
+                            </p:stCondLst>
+                            <p:childTnLst>
+                              <p:par>
+                                <p:cTn id="5" presetID="1" presetClass="mediacall" presetSubtype="0" fill="hold" nodeType="afterEffect">
+                                  <p:stCondLst>
+                                    <p:cond delay="0"/>
+                                  </p:stCondLst>
+                                  <p:childTnLst>
+                                    <p:cmd type="call" cmd="playFrom(0.0)">
+                                      <p:cBhvr>
+                                        <p:cTn id="6" dur="1" fill="hold"/>
+                                        <p:tgtEl>
+                                          <p:spTgt spid="39"/>
+                                        </p:tgtEl>
+                                      </p:cBhvr>
+                                    </p:cmd>
+                                  </p:childTnLst>
+                                </p:cTn>
+                              </p:par>
+                            </p:childTnLst>
+                          </p:cTn>
+                        </p:par>
+                      </p:childTnLst>
+                    </p:cTn>
+                  </p:par>
+                </p:childTnLst>
+              </p:cTn>
+              <p:prevCondLst>
+                <p:cond evt="onPrev" delay="0">
+                  <p:tgtEl>
+                    <p:sldTgt/>
+                  </p:tgtEl>
+                </p:cond>
+              </p:prevCondLst>
+              <p:nextCondLst>
+                <p:cond evt="onNext" delay="0">
+                  <p:tgtEl>
+                    <p:sldTgt/>
+                  </p:tgtEl>
+                </p:cond>
+              </p:nextCondLst>
+            </p:seq>
+            <p:audio isNarration="1">
+              <p:cMediaNode vol="80000" showWhenStopped="0">
+                <p:cTn id="7" fill="hold" display="0">
+                  <p:stCondLst>
+                    <p:cond delay="indefinite"/>
+                  </p:stCondLst>
+                  <p:endCondLst>
+                    <p:cond evt="onStopAudio" delay="0">
+                      <p:tgtEl>
+                        <p:sldTgt/>
+                      </p:tgtEl>
+                    </p:cond>
+                  </p:endCondLst>
+                </p:cTn>
+                <p:tgtEl>
+                  <p:spTgt spid="39"/>
+                </p:tgtEl>
+              </p:cMediaNode>
+            </p:audio>
+          </p:childTnLst>
+        </p:cTn>
+      </p:par>
+    </p:tnLst>
+  </p:timing>
 </p:sld>
 </file>
 
@@ -11175,21 +11849,21 @@
 </file>
 
 <file path=customXml/item2.xml><?xml version="1.0" encoding="utf-8"?>
+<p:properties xmlns:p="http://schemas.microsoft.com/office/2006/metadata/properties" xmlns:xsi="http://www.w3.org/2001/XMLSchema-instance" xmlns:pc="http://schemas.microsoft.com/office/infopath/2007/PartnerControls">
+  <documentManagement>
+    <Status xmlns="71af3243-3dd4-4a8d-8c0d-dd76da1f02a5">Not started</Status>
+    <MediaServiceKeyPoints xmlns="71af3243-3dd4-4a8d-8c0d-dd76da1f02a5" xsi:nil="true"/>
+  </documentManagement>
+</p:properties>
+</file>
+
+<file path=customXml/item3.xml><?xml version="1.0" encoding="utf-8"?>
 <?mso-contentType ?>
 <FormTemplates xmlns="http://schemas.microsoft.com/sharepoint/v3/contenttype/forms">
   <Display>DocumentLibraryForm</Display>
   <Edit>DocumentLibraryForm</Edit>
   <New>DocumentLibraryForm</New>
 </FormTemplates>
-</file>
-
-<file path=customXml/item3.xml><?xml version="1.0" encoding="utf-8"?>
-<p:properties xmlns:p="http://schemas.microsoft.com/office/2006/metadata/properties" xmlns:xsi="http://www.w3.org/2001/XMLSchema-instance" xmlns:pc="http://schemas.microsoft.com/office/infopath/2007/PartnerControls">
-  <documentManagement>
-    <Status xmlns="71af3243-3dd4-4a8d-8c0d-dd76da1f02a5">Not started</Status>
-    <MediaServiceKeyPoints xmlns="71af3243-3dd4-4a8d-8c0d-dd76da1f02a5" xsi:nil="true"/>
-  </documentManagement>
-</p:properties>
 </file>
 
 <file path=customXml/itemProps1.xml><?xml version="1.0" encoding="utf-8"?>
@@ -11212,14 +11886,6 @@
 </file>
 
 <file path=customXml/itemProps2.xml><?xml version="1.0" encoding="utf-8"?>
-<ds:datastoreItem xmlns:ds="http://schemas.openxmlformats.org/officeDocument/2006/customXml" ds:itemID="{B927DC71-2909-427C-BDB0-3E47E2101517}">
-  <ds:schemaRefs>
-    <ds:schemaRef ds:uri="http://schemas.microsoft.com/sharepoint/v3/contenttype/forms"/>
-  </ds:schemaRefs>
-</ds:datastoreItem>
-</file>
-
-<file path=customXml/itemProps3.xml><?xml version="1.0" encoding="utf-8"?>
 <ds:datastoreItem xmlns:ds="http://schemas.openxmlformats.org/officeDocument/2006/customXml" ds:itemID="{290D7697-8E53-4EA8-8CBB-9C19575257BF}">
   <ds:schemaRefs>
     <ds:schemaRef ds:uri="http://schemas.microsoft.com/office/2006/metadata/properties"/>
@@ -11227,4 +11893,12 @@
     <ds:schemaRef ds:uri="71af3243-3dd4-4a8d-8c0d-dd76da1f02a5"/>
   </ds:schemaRefs>
 </ds:datastoreItem>
+</file>
+
+<file path=customXml/itemProps3.xml><?xml version="1.0" encoding="utf-8"?>
+<ds:datastoreItem xmlns:ds="http://schemas.openxmlformats.org/officeDocument/2006/customXml" ds:itemID="{B927DC71-2909-427C-BDB0-3E47E2101517}">
+  <ds:schemaRefs>
+    <ds:schemaRef ds:uri="http://schemas.microsoft.com/sharepoint/v3/contenttype/forms"/>
+  </ds:schemaRefs>
+</ds:datastoreItem>
 </file>